--- a/filament 5 render pass.pptx
+++ b/filament 5 render pass.pptx
@@ -5,7 +5,7 @@
     <p:sldMasterId id="2147483648" r:id="rId1"/>
   </p:sldMasterIdLst>
   <p:notesMasterIdLst>
-    <p:notesMasterId r:id="rId37"/>
+    <p:notesMasterId r:id="rId38"/>
   </p:notesMasterIdLst>
   <p:sldIdLst>
     <p:sldId id="256" r:id="rId2"/>
@@ -41,8 +41,9 @@
     <p:sldId id="287" r:id="rId32"/>
     <p:sldId id="297" r:id="rId33"/>
     <p:sldId id="288" r:id="rId34"/>
-    <p:sldId id="281" r:id="rId35"/>
-    <p:sldId id="282" r:id="rId36"/>
+    <p:sldId id="298" r:id="rId35"/>
+    <p:sldId id="281" r:id="rId36"/>
+    <p:sldId id="282" r:id="rId37"/>
   </p:sldIdLst>
   <p:sldSz cx="12192000" cy="6858000"/>
   <p:notesSz cx="6858000" cy="9144000"/>
@@ -231,7 +232,7 @@
           <a:p>
             <a:fld id="{6813E598-F3EA-455E-9ED8-550DB9F3438B}" type="datetimeFigureOut">
               <a:rPr lang="zh-CN" altLang="en-US" smtClean="0"/>
-              <a:t>2023/11/20</a:t>
+              <a:t>2023/11/21</a:t>
             </a:fld>
             <a:endParaRPr lang="zh-CN" altLang="en-US"/>
           </a:p>
@@ -1011,7 +1012,7 @@
           <a:p>
             <a:fld id="{ECD19FB2-3AAB-4D03-B13A-2960828C78E3}" type="datetimeFigureOut">
               <a:rPr lang="en-US" dirty="0"/>
-              <a:t>11/20/2023</a:t>
+              <a:t>11/21/2023</a:t>
             </a:fld>
             <a:endParaRPr lang="en-US" dirty="0"/>
           </a:p>
@@ -1288,7 +1289,7 @@
           <a:p>
             <a:fld id="{1B80C674-7DFC-42FE-B9CD-82963CDB1557}" type="datetimeFigureOut">
               <a:rPr lang="en-US" dirty="0"/>
-              <a:t>11/20/2023</a:t>
+              <a:t>11/21/2023</a:t>
             </a:fld>
             <a:endParaRPr lang="en-US" dirty="0"/>
           </a:p>
@@ -1475,7 +1476,7 @@
           <a:p>
             <a:fld id="{2076456F-F47D-4F25-8053-2A695DA0CA7D}" type="datetimeFigureOut">
               <a:rPr lang="en-US" dirty="0"/>
-              <a:t>11/20/2023</a:t>
+              <a:t>11/21/2023</a:t>
             </a:fld>
             <a:endParaRPr lang="en-US" dirty="0"/>
           </a:p>
@@ -1731,7 +1732,7 @@
           <a:p>
             <a:fld id="{5D6C7379-69CC-4837-9905-BEBA22830C8A}" type="datetimeFigureOut">
               <a:rPr lang="en-US" dirty="0"/>
-              <a:t>11/20/2023</a:t>
+              <a:t>11/21/2023</a:t>
             </a:fld>
             <a:endParaRPr lang="en-US" dirty="0"/>
           </a:p>
@@ -2152,7 +2153,7 @@
           <a:p>
             <a:fld id="{49EB8B7E-8AEE-4F10-BFEE-C999AD004D36}" type="datetimeFigureOut">
               <a:rPr lang="en-US" dirty="0"/>
-              <a:t>11/20/2023</a:t>
+              <a:t>11/21/2023</a:t>
             </a:fld>
             <a:endParaRPr lang="en-US" dirty="0"/>
           </a:p>
@@ -2693,7 +2694,7 @@
           <a:p>
             <a:fld id="{8668F3F9-58BC-440B-B37B-805B9055EF92}" type="datetimeFigureOut">
               <a:rPr lang="en-US" dirty="0"/>
-              <a:t>11/20/2023</a:t>
+              <a:t>11/21/2023</a:t>
             </a:fld>
             <a:endParaRPr lang="en-US" dirty="0"/>
           </a:p>
@@ -3519,7 +3520,7 @@
           <a:p>
             <a:fld id="{0D5A53AF-48EA-489D-8260-9DCAB666386A}" type="datetimeFigureOut">
               <a:rPr lang="en-US" dirty="0"/>
-              <a:t>11/20/2023</a:t>
+              <a:t>11/21/2023</a:t>
             </a:fld>
             <a:endParaRPr lang="en-US" dirty="0"/>
           </a:p>
@@ -3684,7 +3685,7 @@
           <a:p>
             <a:fld id="{0DED02AE-B9A4-47BD-AF8E-97E16144138B}" type="datetimeFigureOut">
               <a:rPr lang="en-US" dirty="0"/>
-              <a:t>11/20/2023</a:t>
+              <a:t>11/21/2023</a:t>
             </a:fld>
             <a:endParaRPr lang="en-US" dirty="0"/>
           </a:p>
@@ -3859,7 +3860,7 @@
           <a:p>
             <a:fld id="{CF0FD78B-DB02-4362-BCDC-98A55456977C}" type="datetimeFigureOut">
               <a:rPr lang="en-US" dirty="0"/>
-              <a:t>11/20/2023</a:t>
+              <a:t>11/21/2023</a:t>
             </a:fld>
             <a:endParaRPr lang="en-US" dirty="0"/>
           </a:p>
@@ -4024,7 +4025,7 @@
           <a:p>
             <a:fld id="{99916976-5D93-46E4-A98A-FAD63E4D0EA8}" type="datetimeFigureOut">
               <a:rPr lang="en-US" dirty="0"/>
-              <a:t>11/20/2023</a:t>
+              <a:t>11/21/2023</a:t>
             </a:fld>
             <a:endParaRPr lang="en-US" dirty="0"/>
           </a:p>
@@ -4276,7 +4277,7 @@
           <a:p>
             <a:fld id="{0F39F4F5-F4D2-4D2A-AB60-88D37ADCB869}" type="datetimeFigureOut">
               <a:rPr lang="en-US" dirty="0"/>
-              <a:t>11/20/2023</a:t>
+              <a:t>11/21/2023</a:t>
             </a:fld>
             <a:endParaRPr lang="en-US" dirty="0"/>
           </a:p>
@@ -4503,7 +4504,7 @@
           <a:p>
             <a:fld id="{D23BC6CE-6D1E-47E5-8859-F31AC5380EB2}" type="datetimeFigureOut">
               <a:rPr lang="en-US" dirty="0"/>
-              <a:t>11/20/2023</a:t>
+              <a:t>11/21/2023</a:t>
             </a:fld>
             <a:endParaRPr lang="en-US" dirty="0"/>
           </a:p>
@@ -4891,7 +4892,7 @@
           <a:p>
             <a:fld id="{B1B4E7C4-4DA4-404D-9965-B13F2DD7D8BF}" type="datetimeFigureOut">
               <a:rPr lang="en-US" dirty="0"/>
-              <a:t>11/20/2023</a:t>
+              <a:t>11/21/2023</a:t>
             </a:fld>
             <a:endParaRPr lang="en-US" dirty="0"/>
           </a:p>
@@ -5004,7 +5005,7 @@
           <a:p>
             <a:fld id="{476FB7AA-4A53-424F-AD41-70827B6504BA}" type="datetimeFigureOut">
               <a:rPr lang="en-US" dirty="0"/>
-              <a:t>11/20/2023</a:t>
+              <a:t>11/21/2023</a:t>
             </a:fld>
             <a:endParaRPr lang="en-US" dirty="0"/>
           </a:p>
@@ -5094,7 +5095,7 @@
           <a:p>
             <a:fld id="{E7884882-FB12-4BC8-9960-9AD8104D7FAE}" type="datetimeFigureOut">
               <a:rPr lang="en-US" dirty="0"/>
-              <a:t>11/20/2023</a:t>
+              <a:t>11/21/2023</a:t>
             </a:fld>
             <a:endParaRPr lang="en-US" dirty="0"/>
           </a:p>
@@ -5362,7 +5363,7 @@
           <a:p>
             <a:fld id="{F7D1BD23-6E54-4D9D-AD88-A2813C73CC25}" type="datetimeFigureOut">
               <a:rPr lang="en-US" dirty="0"/>
-              <a:t>11/20/2023</a:t>
+              <a:t>11/21/2023</a:t>
             </a:fld>
             <a:endParaRPr lang="en-US" dirty="0"/>
           </a:p>
@@ -5638,7 +5639,7 @@
           <a:p>
             <a:fld id="{1471A834-4F3C-4AF9-9C74-05EC35A0F292}" type="datetimeFigureOut">
               <a:rPr lang="en-US" dirty="0"/>
-              <a:t>11/20/2023</a:t>
+              <a:t>11/21/2023</a:t>
             </a:fld>
             <a:endParaRPr lang="en-US" dirty="0"/>
           </a:p>
@@ -5873,7 +5874,7 @@
           <a:p>
             <a:fld id="{51CF1133-3259-4C45-BABA-5B62D9C6F78D}" type="datetimeFigureOut">
               <a:rPr lang="en-US" dirty="0"/>
-              <a:t>11/20/2023</a:t>
+              <a:t>11/21/2023</a:t>
             </a:fld>
             <a:endParaRPr lang="en-US" dirty="0"/>
           </a:p>
@@ -29302,6 +29303,1904 @@
           <p:cNvPr id="2" name="Title 1">
             <a:extLst>
               <a:ext uri="{FF2B5EF4-FFF2-40B4-BE49-F238E27FC236}">
+                <a16:creationId xmlns:a16="http://schemas.microsoft.com/office/drawing/2014/main" id="{AA0050C5-D4AC-AD49-7DE6-5F7BD6FEA218}"/>
+              </a:ext>
+            </a:extLst>
+          </p:cNvPr>
+          <p:cNvSpPr>
+            <a:spLocks noGrp="1"/>
+          </p:cNvSpPr>
+          <p:nvPr>
+            <p:ph type="title"/>
+          </p:nvPr>
+        </p:nvSpPr>
+        <p:spPr/>
+        <p:txBody>
+          <a:bodyPr/>
+          <a:lstStyle/>
+          <a:p>
+            <a:r>
+              <a:rPr lang="en-US" altLang="zh-CN" dirty="0"/>
+              <a:t>summary</a:t>
+            </a:r>
+            <a:endParaRPr lang="zh-CN" altLang="en-US" dirty="0"/>
+          </a:p>
+        </p:txBody>
+      </p:sp>
+      <p:sp>
+        <p:nvSpPr>
+          <p:cNvPr id="4" name="TextBox 3">
+            <a:extLst>
+              <a:ext uri="{FF2B5EF4-FFF2-40B4-BE49-F238E27FC236}">
+                <a16:creationId xmlns:a16="http://schemas.microsoft.com/office/drawing/2014/main" id="{1DD74291-F774-185D-A2A9-DE43FB2D96EB}"/>
+              </a:ext>
+            </a:extLst>
+          </p:cNvPr>
+          <p:cNvSpPr txBox="1"/>
+          <p:nvPr/>
+        </p:nvSpPr>
+        <p:spPr>
+          <a:xfrm>
+            <a:off x="377305" y="1506022"/>
+            <a:ext cx="1510665" cy="369332"/>
+          </a:xfrm>
+          <a:prstGeom prst="rect">
+            <a:avLst/>
+          </a:prstGeom>
+          <a:noFill/>
+        </p:spPr>
+        <p:txBody>
+          <a:bodyPr wrap="square">
+            <a:spAutoFit/>
+          </a:bodyPr>
+          <a:lstStyle/>
+          <a:p>
+            <a:r>
+              <a:rPr lang="en-US" altLang="zh-CN" sz="1800" dirty="0">
+                <a:solidFill>
+                  <a:schemeClr val="tx1"/>
+                </a:solidFill>
+              </a:rPr>
+              <a:t>color pass</a:t>
+            </a:r>
+            <a:endParaRPr lang="zh-CN" altLang="en-US" dirty="0"/>
+          </a:p>
+        </p:txBody>
+      </p:sp>
+      <p:sp>
+        <p:nvSpPr>
+          <p:cNvPr id="5" name="TextBox 4">
+            <a:extLst>
+              <a:ext uri="{FF2B5EF4-FFF2-40B4-BE49-F238E27FC236}">
+                <a16:creationId xmlns:a16="http://schemas.microsoft.com/office/drawing/2014/main" id="{AE22F6E4-D69D-A296-6306-4EC76530C680}"/>
+              </a:ext>
+            </a:extLst>
+          </p:cNvPr>
+          <p:cNvSpPr txBox="1"/>
+          <p:nvPr/>
+        </p:nvSpPr>
+        <p:spPr>
+          <a:xfrm>
+            <a:off x="377305" y="1901324"/>
+            <a:ext cx="1101848" cy="369332"/>
+          </a:xfrm>
+          <a:prstGeom prst="rect">
+            <a:avLst/>
+          </a:prstGeom>
+          <a:noFill/>
+        </p:spPr>
+        <p:txBody>
+          <a:bodyPr wrap="square">
+            <a:spAutoFit/>
+          </a:bodyPr>
+          <a:lstStyle/>
+          <a:p>
+            <a:r>
+              <a:rPr lang="en-US" altLang="zh-CN" sz="1800" dirty="0">
+                <a:solidFill>
+                  <a:schemeClr val="tx1"/>
+                </a:solidFill>
+              </a:rPr>
+              <a:t>SSR pass</a:t>
+            </a:r>
+            <a:endParaRPr lang="zh-CN" altLang="en-US" dirty="0"/>
+          </a:p>
+        </p:txBody>
+      </p:sp>
+      <p:sp>
+        <p:nvSpPr>
+          <p:cNvPr id="6" name="TextBox 5">
+            <a:extLst>
+              <a:ext uri="{FF2B5EF4-FFF2-40B4-BE49-F238E27FC236}">
+                <a16:creationId xmlns:a16="http://schemas.microsoft.com/office/drawing/2014/main" id="{5800E292-1E97-9F47-45E9-8D63B4C608B5}"/>
+              </a:ext>
+            </a:extLst>
+          </p:cNvPr>
+          <p:cNvSpPr txBox="1"/>
+          <p:nvPr/>
+        </p:nvSpPr>
+        <p:spPr>
+          <a:xfrm>
+            <a:off x="349128" y="2296626"/>
+            <a:ext cx="1510665" cy="369332"/>
+          </a:xfrm>
+          <a:prstGeom prst="rect">
+            <a:avLst/>
+          </a:prstGeom>
+          <a:noFill/>
+        </p:spPr>
+        <p:txBody>
+          <a:bodyPr wrap="square">
+            <a:spAutoFit/>
+          </a:bodyPr>
+          <a:lstStyle/>
+          <a:p>
+            <a:r>
+              <a:rPr lang="en-US" altLang="zh-CN" dirty="0"/>
+              <a:t>shadow pass</a:t>
+            </a:r>
+            <a:endParaRPr lang="zh-CN" altLang="en-US" dirty="0"/>
+          </a:p>
+        </p:txBody>
+      </p:sp>
+      <p:sp>
+        <p:nvSpPr>
+          <p:cNvPr id="7" name="TextBox 6">
+            <a:extLst>
+              <a:ext uri="{FF2B5EF4-FFF2-40B4-BE49-F238E27FC236}">
+                <a16:creationId xmlns:a16="http://schemas.microsoft.com/office/drawing/2014/main" id="{9849F40D-DA00-6118-ADF4-3D02EA7FFEA7}"/>
+              </a:ext>
+            </a:extLst>
+          </p:cNvPr>
+          <p:cNvSpPr txBox="1"/>
+          <p:nvPr/>
+        </p:nvSpPr>
+        <p:spPr>
+          <a:xfrm>
+            <a:off x="308233" y="2646919"/>
+            <a:ext cx="1529897" cy="369332"/>
+          </a:xfrm>
+          <a:prstGeom prst="rect">
+            <a:avLst/>
+          </a:prstGeom>
+          <a:noFill/>
+        </p:spPr>
+        <p:txBody>
+          <a:bodyPr wrap="square">
+            <a:spAutoFit/>
+          </a:bodyPr>
+          <a:lstStyle/>
+          <a:p>
+            <a:r>
+              <a:rPr lang="en-US" altLang="zh-CN" dirty="0"/>
+              <a:t>SSAO pass</a:t>
+            </a:r>
+            <a:endParaRPr lang="zh-CN" altLang="en-US" dirty="0"/>
+          </a:p>
+        </p:txBody>
+      </p:sp>
+      <p:sp>
+        <p:nvSpPr>
+          <p:cNvPr id="8" name="Right Brace 7">
+            <a:extLst>
+              <a:ext uri="{FF2B5EF4-FFF2-40B4-BE49-F238E27FC236}">
+                <a16:creationId xmlns:a16="http://schemas.microsoft.com/office/drawing/2014/main" id="{013DEFF8-0683-AC31-BF41-9B7B895E9D59}"/>
+              </a:ext>
+            </a:extLst>
+          </p:cNvPr>
+          <p:cNvSpPr/>
+          <p:nvPr/>
+        </p:nvSpPr>
+        <p:spPr>
+          <a:xfrm>
+            <a:off x="1546581" y="1537472"/>
+            <a:ext cx="604762" cy="1518307"/>
+          </a:xfrm>
+          <a:prstGeom prst="rightBrace">
+            <a:avLst/>
+          </a:prstGeom>
+          <a:ln w="38100"/>
+        </p:spPr>
+        <p:style>
+          <a:lnRef idx="1">
+            <a:schemeClr val="accent1"/>
+          </a:lnRef>
+          <a:fillRef idx="0">
+            <a:schemeClr val="accent1"/>
+          </a:fillRef>
+          <a:effectRef idx="0">
+            <a:schemeClr val="accent1"/>
+          </a:effectRef>
+          <a:fontRef idx="minor">
+            <a:schemeClr val="tx1"/>
+          </a:fontRef>
+        </p:style>
+        <p:txBody>
+          <a:bodyPr rtlCol="0" anchor="ctr"/>
+          <a:lstStyle/>
+          <a:p>
+            <a:pPr algn="ctr"/>
+            <a:endParaRPr lang="zh-CN" altLang="en-US"/>
+          </a:p>
+        </p:txBody>
+      </p:sp>
+      <p:sp>
+        <p:nvSpPr>
+          <p:cNvPr id="9" name="TextBox 8">
+            <a:extLst>
+              <a:ext uri="{FF2B5EF4-FFF2-40B4-BE49-F238E27FC236}">
+                <a16:creationId xmlns:a16="http://schemas.microsoft.com/office/drawing/2014/main" id="{69252271-BCAB-5579-896E-FB8D7DCAA977}"/>
+              </a:ext>
+            </a:extLst>
+          </p:cNvPr>
+          <p:cNvSpPr txBox="1"/>
+          <p:nvPr/>
+        </p:nvSpPr>
+        <p:spPr>
+          <a:xfrm>
+            <a:off x="2218771" y="2106136"/>
+            <a:ext cx="2016584" cy="369332"/>
+          </a:xfrm>
+          <a:prstGeom prst="rect">
+            <a:avLst/>
+          </a:prstGeom>
+          <a:noFill/>
+        </p:spPr>
+        <p:txBody>
+          <a:bodyPr wrap="square">
+            <a:spAutoFit/>
+          </a:bodyPr>
+          <a:lstStyle/>
+          <a:p>
+            <a:r>
+              <a:rPr lang="en-US" altLang="zh-CN" dirty="0"/>
+              <a:t>command type flag</a:t>
+            </a:r>
+            <a:endParaRPr lang="zh-CN" altLang="en-US" dirty="0"/>
+          </a:p>
+        </p:txBody>
+      </p:sp>
+      <p:sp>
+        <p:nvSpPr>
+          <p:cNvPr id="10" name="TextBox 9">
+            <a:extLst>
+              <a:ext uri="{FF2B5EF4-FFF2-40B4-BE49-F238E27FC236}">
+                <a16:creationId xmlns:a16="http://schemas.microsoft.com/office/drawing/2014/main" id="{FC1EBFDF-99DF-3024-7B2B-796002AFE275}"/>
+              </a:ext>
+            </a:extLst>
+          </p:cNvPr>
+          <p:cNvSpPr txBox="1"/>
+          <p:nvPr/>
+        </p:nvSpPr>
+        <p:spPr>
+          <a:xfrm>
+            <a:off x="4075208" y="3697778"/>
+            <a:ext cx="1061349" cy="369332"/>
+          </a:xfrm>
+          <a:prstGeom prst="rect">
+            <a:avLst/>
+          </a:prstGeom>
+          <a:noFill/>
+        </p:spPr>
+        <p:txBody>
+          <a:bodyPr wrap="square">
+            <a:spAutoFit/>
+          </a:bodyPr>
+          <a:lstStyle/>
+          <a:p>
+            <a:r>
+              <a:rPr lang="en-US" altLang="zh-CN" dirty="0"/>
+              <a:t>variant</a:t>
+            </a:r>
+            <a:endParaRPr lang="zh-CN" altLang="en-US" dirty="0"/>
+          </a:p>
+        </p:txBody>
+      </p:sp>
+      <p:sp>
+        <p:nvSpPr>
+          <p:cNvPr id="11" name="TextBox 10">
+            <a:extLst>
+              <a:ext uri="{FF2B5EF4-FFF2-40B4-BE49-F238E27FC236}">
+                <a16:creationId xmlns:a16="http://schemas.microsoft.com/office/drawing/2014/main" id="{5DC16C44-71AD-CA36-B88C-BB5138DA788F}"/>
+              </a:ext>
+            </a:extLst>
+          </p:cNvPr>
+          <p:cNvSpPr txBox="1"/>
+          <p:nvPr/>
+        </p:nvSpPr>
+        <p:spPr>
+          <a:xfrm>
+            <a:off x="363913" y="3200054"/>
+            <a:ext cx="2475812" cy="369332"/>
+          </a:xfrm>
+          <a:prstGeom prst="rect">
+            <a:avLst/>
+          </a:prstGeom>
+          <a:noFill/>
+        </p:spPr>
+        <p:txBody>
+          <a:bodyPr wrap="square">
+            <a:spAutoFit/>
+          </a:bodyPr>
+          <a:lstStyle/>
+          <a:p>
+            <a:r>
+              <a:rPr lang="en-US" altLang="zh-CN" dirty="0" err="1"/>
+              <a:t>renderFlag.hasShadow</a:t>
+            </a:r>
+            <a:endParaRPr lang="zh-CN" altLang="en-US" dirty="0"/>
+          </a:p>
+        </p:txBody>
+      </p:sp>
+      <p:cxnSp>
+        <p:nvCxnSpPr>
+          <p:cNvPr id="13" name="Straight Arrow Connector 12">
+            <a:extLst>
+              <a:ext uri="{FF2B5EF4-FFF2-40B4-BE49-F238E27FC236}">
+                <a16:creationId xmlns:a16="http://schemas.microsoft.com/office/drawing/2014/main" id="{D73CA087-6310-E642-BBFA-66BFE0BAB8D1}"/>
+              </a:ext>
+            </a:extLst>
+          </p:cNvPr>
+          <p:cNvCxnSpPr>
+            <a:cxnSpLocks/>
+            <a:stCxn id="9" idx="3"/>
+            <a:endCxn id="79" idx="1"/>
+          </p:cNvCxnSpPr>
+          <p:nvPr/>
+        </p:nvCxnSpPr>
+        <p:spPr>
+          <a:xfrm>
+            <a:off x="4235355" y="2290802"/>
+            <a:ext cx="2016315" cy="1139545"/>
+          </a:xfrm>
+          <a:prstGeom prst="straightConnector1">
+            <a:avLst/>
+          </a:prstGeom>
+          <a:ln w="19050">
+            <a:tailEnd type="triangle"/>
+          </a:ln>
+        </p:spPr>
+        <p:style>
+          <a:lnRef idx="1">
+            <a:schemeClr val="accent1"/>
+          </a:lnRef>
+          <a:fillRef idx="0">
+            <a:schemeClr val="accent1"/>
+          </a:fillRef>
+          <a:effectRef idx="0">
+            <a:schemeClr val="accent1"/>
+          </a:effectRef>
+          <a:fontRef idx="minor">
+            <a:schemeClr val="tx1"/>
+          </a:fontRef>
+        </p:style>
+      </p:cxnSp>
+      <p:cxnSp>
+        <p:nvCxnSpPr>
+          <p:cNvPr id="14" name="Straight Arrow Connector 13">
+            <a:extLst>
+              <a:ext uri="{FF2B5EF4-FFF2-40B4-BE49-F238E27FC236}">
+                <a16:creationId xmlns:a16="http://schemas.microsoft.com/office/drawing/2014/main" id="{FB5697D4-3262-9133-CDB2-F89941795ABC}"/>
+              </a:ext>
+            </a:extLst>
+          </p:cNvPr>
+          <p:cNvCxnSpPr>
+            <a:cxnSpLocks/>
+            <a:stCxn id="10" idx="3"/>
+            <a:endCxn id="79" idx="1"/>
+          </p:cNvCxnSpPr>
+          <p:nvPr/>
+        </p:nvCxnSpPr>
+        <p:spPr>
+          <a:xfrm flipV="1">
+            <a:off x="5136557" y="3430347"/>
+            <a:ext cx="1115113" cy="452097"/>
+          </a:xfrm>
+          <a:prstGeom prst="straightConnector1">
+            <a:avLst/>
+          </a:prstGeom>
+          <a:ln w="19050">
+            <a:tailEnd type="triangle"/>
+          </a:ln>
+        </p:spPr>
+        <p:style>
+          <a:lnRef idx="1">
+            <a:schemeClr val="accent1"/>
+          </a:lnRef>
+          <a:fillRef idx="0">
+            <a:schemeClr val="accent1"/>
+          </a:fillRef>
+          <a:effectRef idx="0">
+            <a:schemeClr val="accent1"/>
+          </a:effectRef>
+          <a:fontRef idx="minor">
+            <a:schemeClr val="tx1"/>
+          </a:fontRef>
+        </p:style>
+      </p:cxnSp>
+      <p:cxnSp>
+        <p:nvCxnSpPr>
+          <p:cNvPr id="15" name="Straight Arrow Connector 14">
+            <a:extLst>
+              <a:ext uri="{FF2B5EF4-FFF2-40B4-BE49-F238E27FC236}">
+                <a16:creationId xmlns:a16="http://schemas.microsoft.com/office/drawing/2014/main" id="{A4DA9DFB-C60C-B0DA-F8BE-02BC471B8130}"/>
+              </a:ext>
+            </a:extLst>
+          </p:cNvPr>
+          <p:cNvCxnSpPr>
+            <a:cxnSpLocks/>
+            <a:stCxn id="11" idx="3"/>
+            <a:endCxn id="10" idx="1"/>
+          </p:cNvCxnSpPr>
+          <p:nvPr/>
+        </p:nvCxnSpPr>
+        <p:spPr>
+          <a:xfrm>
+            <a:off x="2839725" y="3384720"/>
+            <a:ext cx="1235483" cy="497724"/>
+          </a:xfrm>
+          <a:prstGeom prst="straightConnector1">
+            <a:avLst/>
+          </a:prstGeom>
+          <a:ln w="19050">
+            <a:tailEnd type="triangle"/>
+          </a:ln>
+        </p:spPr>
+        <p:style>
+          <a:lnRef idx="1">
+            <a:schemeClr val="accent1"/>
+          </a:lnRef>
+          <a:fillRef idx="0">
+            <a:schemeClr val="accent1"/>
+          </a:fillRef>
+          <a:effectRef idx="0">
+            <a:schemeClr val="accent1"/>
+          </a:effectRef>
+          <a:fontRef idx="minor">
+            <a:schemeClr val="tx1"/>
+          </a:fontRef>
+        </p:style>
+      </p:cxnSp>
+      <p:sp>
+        <p:nvSpPr>
+          <p:cNvPr id="19" name="Oval 18">
+            <a:extLst>
+              <a:ext uri="{FF2B5EF4-FFF2-40B4-BE49-F238E27FC236}">
+                <a16:creationId xmlns:a16="http://schemas.microsoft.com/office/drawing/2014/main" id="{6353C153-527C-E955-4739-A33F316BA6CE}"/>
+              </a:ext>
+            </a:extLst>
+          </p:cNvPr>
+          <p:cNvSpPr/>
+          <p:nvPr/>
+        </p:nvSpPr>
+        <p:spPr>
+          <a:xfrm>
+            <a:off x="9352275" y="3404824"/>
+            <a:ext cx="1156502" cy="419639"/>
+          </a:xfrm>
+          <a:prstGeom prst="ellipse">
+            <a:avLst/>
+          </a:prstGeom>
+          <a:noFill/>
+          <a:ln>
+            <a:solidFill>
+              <a:schemeClr val="accent3">
+                <a:lumMod val="75000"/>
+              </a:schemeClr>
+            </a:solidFill>
+          </a:ln>
+        </p:spPr>
+        <p:style>
+          <a:lnRef idx="2">
+            <a:schemeClr val="accent6"/>
+          </a:lnRef>
+          <a:fillRef idx="1">
+            <a:schemeClr val="lt1"/>
+          </a:fillRef>
+          <a:effectRef idx="0">
+            <a:schemeClr val="accent6"/>
+          </a:effectRef>
+          <a:fontRef idx="minor">
+            <a:schemeClr val="dk1"/>
+          </a:fontRef>
+        </p:style>
+        <p:txBody>
+          <a:bodyPr rtlCol="0" anchor="ctr"/>
+          <a:lstStyle/>
+          <a:p>
+            <a:pPr algn="ctr"/>
+            <a:r>
+              <a:rPr lang="en-US" altLang="zh-CN" sz="1600" dirty="0">
+                <a:solidFill>
+                  <a:schemeClr val="tx1"/>
+                </a:solidFill>
+              </a:rPr>
+              <a:t>sort</a:t>
+            </a:r>
+          </a:p>
+        </p:txBody>
+      </p:sp>
+      <p:cxnSp>
+        <p:nvCxnSpPr>
+          <p:cNvPr id="20" name="Straight Arrow Connector 19">
+            <a:extLst>
+              <a:ext uri="{FF2B5EF4-FFF2-40B4-BE49-F238E27FC236}">
+                <a16:creationId xmlns:a16="http://schemas.microsoft.com/office/drawing/2014/main" id="{BB733D33-B1FD-F053-CDE1-BE2DDF36A58F}"/>
+              </a:ext>
+            </a:extLst>
+          </p:cNvPr>
+          <p:cNvCxnSpPr>
+            <a:cxnSpLocks/>
+            <a:stCxn id="79" idx="3"/>
+            <a:endCxn id="19" idx="2"/>
+          </p:cNvCxnSpPr>
+          <p:nvPr/>
+        </p:nvCxnSpPr>
+        <p:spPr>
+          <a:xfrm>
+            <a:off x="7260609" y="3430347"/>
+            <a:ext cx="2091666" cy="184297"/>
+          </a:xfrm>
+          <a:prstGeom prst="straightConnector1">
+            <a:avLst/>
+          </a:prstGeom>
+          <a:ln w="19050">
+            <a:tailEnd type="triangle"/>
+          </a:ln>
+        </p:spPr>
+        <p:style>
+          <a:lnRef idx="1">
+            <a:schemeClr val="accent1"/>
+          </a:lnRef>
+          <a:fillRef idx="0">
+            <a:schemeClr val="accent1"/>
+          </a:fillRef>
+          <a:effectRef idx="0">
+            <a:schemeClr val="accent1"/>
+          </a:effectRef>
+          <a:fontRef idx="minor">
+            <a:schemeClr val="tx1"/>
+          </a:fontRef>
+        </p:style>
+      </p:cxnSp>
+      <p:sp>
+        <p:nvSpPr>
+          <p:cNvPr id="37" name="Right Brace 36">
+            <a:extLst>
+              <a:ext uri="{FF2B5EF4-FFF2-40B4-BE49-F238E27FC236}">
+                <a16:creationId xmlns:a16="http://schemas.microsoft.com/office/drawing/2014/main" id="{DD6A0AF8-470C-1B64-F16D-0797D0CA8F37}"/>
+              </a:ext>
+            </a:extLst>
+          </p:cNvPr>
+          <p:cNvSpPr/>
+          <p:nvPr/>
+        </p:nvSpPr>
+        <p:spPr>
+          <a:xfrm rot="10800000">
+            <a:off x="1807244" y="4398448"/>
+            <a:ext cx="411527" cy="1158054"/>
+          </a:xfrm>
+          <a:prstGeom prst="rightBrace">
+            <a:avLst/>
+          </a:prstGeom>
+          <a:ln w="38100"/>
+        </p:spPr>
+        <p:style>
+          <a:lnRef idx="1">
+            <a:schemeClr val="accent1"/>
+          </a:lnRef>
+          <a:fillRef idx="0">
+            <a:schemeClr val="accent1"/>
+          </a:fillRef>
+          <a:effectRef idx="0">
+            <a:schemeClr val="accent1"/>
+          </a:effectRef>
+          <a:fontRef idx="minor">
+            <a:schemeClr val="tx1"/>
+          </a:fontRef>
+        </p:style>
+        <p:txBody>
+          <a:bodyPr rtlCol="0" anchor="ctr"/>
+          <a:lstStyle/>
+          <a:p>
+            <a:pPr algn="ctr"/>
+            <a:endParaRPr lang="zh-CN" altLang="en-US"/>
+          </a:p>
+        </p:txBody>
+      </p:sp>
+      <p:sp>
+        <p:nvSpPr>
+          <p:cNvPr id="38" name="TextBox 37">
+            <a:extLst>
+              <a:ext uri="{FF2B5EF4-FFF2-40B4-BE49-F238E27FC236}">
+                <a16:creationId xmlns:a16="http://schemas.microsoft.com/office/drawing/2014/main" id="{82FF32AB-80C0-C20A-844E-EC90CE5E96FB}"/>
+              </a:ext>
+            </a:extLst>
+          </p:cNvPr>
+          <p:cNvSpPr txBox="1"/>
+          <p:nvPr/>
+        </p:nvSpPr>
+        <p:spPr>
+          <a:xfrm>
+            <a:off x="2103325" y="5135862"/>
+            <a:ext cx="1394117" cy="369332"/>
+          </a:xfrm>
+          <a:prstGeom prst="rect">
+            <a:avLst/>
+          </a:prstGeom>
+          <a:noFill/>
+        </p:spPr>
+        <p:txBody>
+          <a:bodyPr wrap="square">
+            <a:spAutoFit/>
+          </a:bodyPr>
+          <a:lstStyle/>
+          <a:p>
+            <a:r>
+              <a:rPr lang="en-US" altLang="zh-CN" dirty="0" err="1"/>
+              <a:t>recvShadow</a:t>
+            </a:r>
+            <a:endParaRPr lang="zh-CN" altLang="en-US" dirty="0"/>
+          </a:p>
+        </p:txBody>
+      </p:sp>
+      <p:sp>
+        <p:nvSpPr>
+          <p:cNvPr id="39" name="TextBox 38">
+            <a:extLst>
+              <a:ext uri="{FF2B5EF4-FFF2-40B4-BE49-F238E27FC236}">
+                <a16:creationId xmlns:a16="http://schemas.microsoft.com/office/drawing/2014/main" id="{0BC2551C-2344-2CD8-5465-0F33585C47DD}"/>
+              </a:ext>
+            </a:extLst>
+          </p:cNvPr>
+          <p:cNvSpPr txBox="1"/>
+          <p:nvPr/>
+        </p:nvSpPr>
+        <p:spPr>
+          <a:xfrm>
+            <a:off x="2140547" y="4368877"/>
+            <a:ext cx="978647" cy="369332"/>
+          </a:xfrm>
+          <a:prstGeom prst="rect">
+            <a:avLst/>
+          </a:prstGeom>
+          <a:noFill/>
+        </p:spPr>
+        <p:txBody>
+          <a:bodyPr wrap="square">
+            <a:spAutoFit/>
+          </a:bodyPr>
+          <a:lstStyle/>
+          <a:p>
+            <a:r>
+              <a:rPr lang="en-US" altLang="zh-CN" dirty="0" err="1"/>
+              <a:t>hasSkin</a:t>
+            </a:r>
+            <a:endParaRPr lang="zh-CN" altLang="en-US" dirty="0"/>
+          </a:p>
+        </p:txBody>
+      </p:sp>
+      <p:sp>
+        <p:nvSpPr>
+          <p:cNvPr id="40" name="TextBox 39">
+            <a:extLst>
+              <a:ext uri="{FF2B5EF4-FFF2-40B4-BE49-F238E27FC236}">
+                <a16:creationId xmlns:a16="http://schemas.microsoft.com/office/drawing/2014/main" id="{8EB87FFB-04C6-43DB-CDD9-6394E4C52238}"/>
+              </a:ext>
+            </a:extLst>
+          </p:cNvPr>
+          <p:cNvSpPr txBox="1"/>
+          <p:nvPr/>
+        </p:nvSpPr>
+        <p:spPr>
+          <a:xfrm>
+            <a:off x="2087998" y="4702399"/>
+            <a:ext cx="1144994" cy="369332"/>
+          </a:xfrm>
+          <a:prstGeom prst="rect">
+            <a:avLst/>
+          </a:prstGeom>
+          <a:noFill/>
+        </p:spPr>
+        <p:txBody>
+          <a:bodyPr wrap="square">
+            <a:spAutoFit/>
+          </a:bodyPr>
+          <a:lstStyle/>
+          <a:p>
+            <a:r>
+              <a:rPr lang="en-US" altLang="zh-CN" dirty="0" err="1"/>
+              <a:t>hasMorph</a:t>
+            </a:r>
+            <a:endParaRPr lang="zh-CN" altLang="en-US" dirty="0"/>
+          </a:p>
+        </p:txBody>
+      </p:sp>
+      <p:sp>
+        <p:nvSpPr>
+          <p:cNvPr id="44" name="TextBox 43">
+            <a:extLst>
+              <a:ext uri="{FF2B5EF4-FFF2-40B4-BE49-F238E27FC236}">
+                <a16:creationId xmlns:a16="http://schemas.microsoft.com/office/drawing/2014/main" id="{C17DBDDC-4F9C-C780-2B50-9A87DA277C1C}"/>
+              </a:ext>
+            </a:extLst>
+          </p:cNvPr>
+          <p:cNvSpPr txBox="1"/>
+          <p:nvPr/>
+        </p:nvSpPr>
+        <p:spPr>
+          <a:xfrm>
+            <a:off x="381083" y="3737946"/>
+            <a:ext cx="1310550" cy="369332"/>
+          </a:xfrm>
+          <a:prstGeom prst="rect">
+            <a:avLst/>
+          </a:prstGeom>
+          <a:noFill/>
+        </p:spPr>
+        <p:txBody>
+          <a:bodyPr wrap="square">
+            <a:spAutoFit/>
+          </a:bodyPr>
+          <a:lstStyle/>
+          <a:p>
+            <a:pPr algn="ctr"/>
+            <a:r>
+              <a:rPr lang="en-US" altLang="zh-CN" sz="1800" dirty="0">
+                <a:solidFill>
+                  <a:schemeClr val="tx1"/>
+                </a:solidFill>
+              </a:rPr>
+              <a:t>pass variant</a:t>
+            </a:r>
+          </a:p>
+        </p:txBody>
+      </p:sp>
+      <p:sp>
+        <p:nvSpPr>
+          <p:cNvPr id="49" name="TextBox 48">
+            <a:extLst>
+              <a:ext uri="{FF2B5EF4-FFF2-40B4-BE49-F238E27FC236}">
+                <a16:creationId xmlns:a16="http://schemas.microsoft.com/office/drawing/2014/main" id="{27F9B057-EF5A-D7E0-3456-FC0F6B615761}"/>
+              </a:ext>
+            </a:extLst>
+          </p:cNvPr>
+          <p:cNvSpPr txBox="1"/>
+          <p:nvPr/>
+        </p:nvSpPr>
+        <p:spPr>
+          <a:xfrm>
+            <a:off x="280638" y="4751865"/>
+            <a:ext cx="1579155" cy="369332"/>
+          </a:xfrm>
+          <a:prstGeom prst="rect">
+            <a:avLst/>
+          </a:prstGeom>
+          <a:noFill/>
+        </p:spPr>
+        <p:txBody>
+          <a:bodyPr wrap="square">
+            <a:spAutoFit/>
+          </a:bodyPr>
+          <a:lstStyle/>
+          <a:p>
+            <a:pPr algn="ctr"/>
+            <a:r>
+              <a:rPr lang="en-US" altLang="zh-CN" sz="1800" dirty="0" err="1">
+                <a:solidFill>
+                  <a:schemeClr val="tx1"/>
+                </a:solidFill>
+              </a:rPr>
+              <a:t>renderable.mi</a:t>
+            </a:r>
+            <a:endParaRPr lang="en-US" altLang="zh-CN" sz="1800" dirty="0">
+              <a:solidFill>
+                <a:schemeClr val="tx1"/>
+              </a:solidFill>
+            </a:endParaRPr>
+          </a:p>
+        </p:txBody>
+      </p:sp>
+      <p:cxnSp>
+        <p:nvCxnSpPr>
+          <p:cNvPr id="50" name="Straight Arrow Connector 49">
+            <a:extLst>
+              <a:ext uri="{FF2B5EF4-FFF2-40B4-BE49-F238E27FC236}">
+                <a16:creationId xmlns:a16="http://schemas.microsoft.com/office/drawing/2014/main" id="{3E919702-D5E9-2F62-9352-F320DA92E931}"/>
+              </a:ext>
+            </a:extLst>
+          </p:cNvPr>
+          <p:cNvCxnSpPr>
+            <a:cxnSpLocks/>
+            <a:stCxn id="44" idx="3"/>
+            <a:endCxn id="10" idx="1"/>
+          </p:cNvCxnSpPr>
+          <p:nvPr/>
+        </p:nvCxnSpPr>
+        <p:spPr>
+          <a:xfrm flipV="1">
+            <a:off x="1691633" y="3882444"/>
+            <a:ext cx="2383575" cy="40168"/>
+          </a:xfrm>
+          <a:prstGeom prst="straightConnector1">
+            <a:avLst/>
+          </a:prstGeom>
+          <a:ln w="19050">
+            <a:tailEnd type="triangle"/>
+          </a:ln>
+        </p:spPr>
+        <p:style>
+          <a:lnRef idx="1">
+            <a:schemeClr val="accent1"/>
+          </a:lnRef>
+          <a:fillRef idx="0">
+            <a:schemeClr val="accent1"/>
+          </a:fillRef>
+          <a:effectRef idx="0">
+            <a:schemeClr val="accent1"/>
+          </a:effectRef>
+          <a:fontRef idx="minor">
+            <a:schemeClr val="tx1"/>
+          </a:fontRef>
+        </p:style>
+      </p:cxnSp>
+      <p:cxnSp>
+        <p:nvCxnSpPr>
+          <p:cNvPr id="56" name="Straight Arrow Connector 55">
+            <a:extLst>
+              <a:ext uri="{FF2B5EF4-FFF2-40B4-BE49-F238E27FC236}">
+                <a16:creationId xmlns:a16="http://schemas.microsoft.com/office/drawing/2014/main" id="{914A70FF-3D37-525B-9C2A-E95F8A4A77E3}"/>
+              </a:ext>
+            </a:extLst>
+          </p:cNvPr>
+          <p:cNvCxnSpPr>
+            <a:cxnSpLocks/>
+            <a:stCxn id="38" idx="3"/>
+            <a:endCxn id="10" idx="1"/>
+          </p:cNvCxnSpPr>
+          <p:nvPr/>
+        </p:nvCxnSpPr>
+        <p:spPr>
+          <a:xfrm flipV="1">
+            <a:off x="3497442" y="3882444"/>
+            <a:ext cx="577766" cy="1438084"/>
+          </a:xfrm>
+          <a:prstGeom prst="straightConnector1">
+            <a:avLst/>
+          </a:prstGeom>
+          <a:ln w="19050">
+            <a:tailEnd type="triangle"/>
+          </a:ln>
+        </p:spPr>
+        <p:style>
+          <a:lnRef idx="1">
+            <a:schemeClr val="accent1"/>
+          </a:lnRef>
+          <a:fillRef idx="0">
+            <a:schemeClr val="accent1"/>
+          </a:fillRef>
+          <a:effectRef idx="0">
+            <a:schemeClr val="accent1"/>
+          </a:effectRef>
+          <a:fontRef idx="minor">
+            <a:schemeClr val="tx1"/>
+          </a:fontRef>
+        </p:style>
+      </p:cxnSp>
+      <p:cxnSp>
+        <p:nvCxnSpPr>
+          <p:cNvPr id="59" name="Straight Arrow Connector 58">
+            <a:extLst>
+              <a:ext uri="{FF2B5EF4-FFF2-40B4-BE49-F238E27FC236}">
+                <a16:creationId xmlns:a16="http://schemas.microsoft.com/office/drawing/2014/main" id="{C98A7368-5023-91F6-885F-AC0BE9A30ABE}"/>
+              </a:ext>
+            </a:extLst>
+          </p:cNvPr>
+          <p:cNvCxnSpPr>
+            <a:cxnSpLocks/>
+            <a:stCxn id="39" idx="3"/>
+            <a:endCxn id="10" idx="1"/>
+          </p:cNvCxnSpPr>
+          <p:nvPr/>
+        </p:nvCxnSpPr>
+        <p:spPr>
+          <a:xfrm flipV="1">
+            <a:off x="3119194" y="3882444"/>
+            <a:ext cx="956014" cy="671099"/>
+          </a:xfrm>
+          <a:prstGeom prst="straightConnector1">
+            <a:avLst/>
+          </a:prstGeom>
+          <a:ln w="19050">
+            <a:tailEnd type="triangle"/>
+          </a:ln>
+        </p:spPr>
+        <p:style>
+          <a:lnRef idx="1">
+            <a:schemeClr val="accent1"/>
+          </a:lnRef>
+          <a:fillRef idx="0">
+            <a:schemeClr val="accent1"/>
+          </a:fillRef>
+          <a:effectRef idx="0">
+            <a:schemeClr val="accent1"/>
+          </a:effectRef>
+          <a:fontRef idx="minor">
+            <a:schemeClr val="tx1"/>
+          </a:fontRef>
+        </p:style>
+      </p:cxnSp>
+      <p:cxnSp>
+        <p:nvCxnSpPr>
+          <p:cNvPr id="61" name="Straight Arrow Connector 60">
+            <a:extLst>
+              <a:ext uri="{FF2B5EF4-FFF2-40B4-BE49-F238E27FC236}">
+                <a16:creationId xmlns:a16="http://schemas.microsoft.com/office/drawing/2014/main" id="{C04E4BD6-1CE4-B04B-DE28-1277014467F2}"/>
+              </a:ext>
+            </a:extLst>
+          </p:cNvPr>
+          <p:cNvCxnSpPr>
+            <a:cxnSpLocks/>
+            <a:stCxn id="40" idx="3"/>
+            <a:endCxn id="10" idx="1"/>
+          </p:cNvCxnSpPr>
+          <p:nvPr/>
+        </p:nvCxnSpPr>
+        <p:spPr>
+          <a:xfrm flipV="1">
+            <a:off x="3232992" y="3882444"/>
+            <a:ext cx="842216" cy="1004621"/>
+          </a:xfrm>
+          <a:prstGeom prst="straightConnector1">
+            <a:avLst/>
+          </a:prstGeom>
+          <a:ln w="19050">
+            <a:tailEnd type="triangle"/>
+          </a:ln>
+        </p:spPr>
+        <p:style>
+          <a:lnRef idx="1">
+            <a:schemeClr val="accent1"/>
+          </a:lnRef>
+          <a:fillRef idx="0">
+            <a:schemeClr val="accent1"/>
+          </a:fillRef>
+          <a:effectRef idx="0">
+            <a:schemeClr val="accent1"/>
+          </a:effectRef>
+          <a:fontRef idx="minor">
+            <a:schemeClr val="tx1"/>
+          </a:fontRef>
+        </p:style>
+      </p:cxnSp>
+      <p:cxnSp>
+        <p:nvCxnSpPr>
+          <p:cNvPr id="75" name="Straight Arrow Connector 74">
+            <a:extLst>
+              <a:ext uri="{FF2B5EF4-FFF2-40B4-BE49-F238E27FC236}">
+                <a16:creationId xmlns:a16="http://schemas.microsoft.com/office/drawing/2014/main" id="{AC3A6F5B-96DD-DB1A-E437-424B5CC47FC6}"/>
+              </a:ext>
+            </a:extLst>
+          </p:cNvPr>
+          <p:cNvCxnSpPr>
+            <a:cxnSpLocks/>
+            <a:stCxn id="10" idx="3"/>
+            <a:endCxn id="89" idx="1"/>
+          </p:cNvCxnSpPr>
+          <p:nvPr/>
+        </p:nvCxnSpPr>
+        <p:spPr>
+          <a:xfrm>
+            <a:off x="5136557" y="3882444"/>
+            <a:ext cx="959443" cy="427882"/>
+          </a:xfrm>
+          <a:prstGeom prst="straightConnector1">
+            <a:avLst/>
+          </a:prstGeom>
+          <a:ln w="19050">
+            <a:tailEnd type="triangle"/>
+          </a:ln>
+        </p:spPr>
+        <p:style>
+          <a:lnRef idx="1">
+            <a:schemeClr val="accent1"/>
+          </a:lnRef>
+          <a:fillRef idx="0">
+            <a:schemeClr val="accent1"/>
+          </a:fillRef>
+          <a:effectRef idx="0">
+            <a:schemeClr val="accent1"/>
+          </a:effectRef>
+          <a:fontRef idx="minor">
+            <a:schemeClr val="tx1"/>
+          </a:fontRef>
+        </p:style>
+      </p:cxnSp>
+      <p:sp>
+        <p:nvSpPr>
+          <p:cNvPr id="79" name="TextBox 78">
+            <a:extLst>
+              <a:ext uri="{FF2B5EF4-FFF2-40B4-BE49-F238E27FC236}">
+                <a16:creationId xmlns:a16="http://schemas.microsoft.com/office/drawing/2014/main" id="{A0F6FB19-9A34-E7DA-317E-DAE1A9CD0A56}"/>
+              </a:ext>
+            </a:extLst>
+          </p:cNvPr>
+          <p:cNvSpPr txBox="1"/>
+          <p:nvPr/>
+        </p:nvSpPr>
+        <p:spPr>
+          <a:xfrm>
+            <a:off x="6251670" y="3245681"/>
+            <a:ext cx="1008939" cy="369332"/>
+          </a:xfrm>
+          <a:prstGeom prst="rect">
+            <a:avLst/>
+          </a:prstGeom>
+          <a:noFill/>
+        </p:spPr>
+        <p:txBody>
+          <a:bodyPr wrap="square">
+            <a:spAutoFit/>
+          </a:bodyPr>
+          <a:lstStyle/>
+          <a:p>
+            <a:pPr algn="ctr"/>
+            <a:r>
+              <a:rPr lang="en-US" altLang="zh-CN" sz="1800" dirty="0" err="1">
+                <a:solidFill>
+                  <a:schemeClr val="tx1"/>
+                </a:solidFill>
+              </a:rPr>
+              <a:t>cmd.key</a:t>
+            </a:r>
+            <a:endParaRPr lang="en-US" altLang="zh-CN" sz="1800" dirty="0">
+              <a:solidFill>
+                <a:schemeClr val="tx1"/>
+              </a:solidFill>
+            </a:endParaRPr>
+          </a:p>
+        </p:txBody>
+      </p:sp>
+      <p:sp>
+        <p:nvSpPr>
+          <p:cNvPr id="89" name="TextBox 88">
+            <a:extLst>
+              <a:ext uri="{FF2B5EF4-FFF2-40B4-BE49-F238E27FC236}">
+                <a16:creationId xmlns:a16="http://schemas.microsoft.com/office/drawing/2014/main" id="{096B59EA-1F82-5F29-E9FF-F94BF46D2AFF}"/>
+              </a:ext>
+            </a:extLst>
+          </p:cNvPr>
+          <p:cNvSpPr txBox="1"/>
+          <p:nvPr/>
+        </p:nvSpPr>
+        <p:spPr>
+          <a:xfrm>
+            <a:off x="6096000" y="4125660"/>
+            <a:ext cx="1846997" cy="369332"/>
+          </a:xfrm>
+          <a:prstGeom prst="rect">
+            <a:avLst/>
+          </a:prstGeom>
+          <a:noFill/>
+        </p:spPr>
+        <p:txBody>
+          <a:bodyPr wrap="square">
+            <a:spAutoFit/>
+          </a:bodyPr>
+          <a:lstStyle/>
+          <a:p>
+            <a:pPr algn="ctr"/>
+            <a:r>
+              <a:rPr lang="en-US" altLang="zh-CN" sz="1800" dirty="0" err="1">
+                <a:solidFill>
+                  <a:schemeClr val="tx1"/>
+                </a:solidFill>
+              </a:rPr>
+              <a:t>cmd.prim.variant</a:t>
+            </a:r>
+            <a:endParaRPr lang="en-US" altLang="zh-CN" sz="1800" dirty="0">
+              <a:solidFill>
+                <a:schemeClr val="tx1"/>
+              </a:solidFill>
+            </a:endParaRPr>
+          </a:p>
+        </p:txBody>
+      </p:sp>
+      <p:sp>
+        <p:nvSpPr>
+          <p:cNvPr id="91" name="Oval 90">
+            <a:extLst>
+              <a:ext uri="{FF2B5EF4-FFF2-40B4-BE49-F238E27FC236}">
+                <a16:creationId xmlns:a16="http://schemas.microsoft.com/office/drawing/2014/main" id="{628C5894-739E-58F1-1307-66CEE9947904}"/>
+              </a:ext>
+            </a:extLst>
+          </p:cNvPr>
+          <p:cNvSpPr/>
+          <p:nvPr/>
+        </p:nvSpPr>
+        <p:spPr>
+          <a:xfrm>
+            <a:off x="9144002" y="4097409"/>
+            <a:ext cx="1364775" cy="498256"/>
+          </a:xfrm>
+          <a:prstGeom prst="ellipse">
+            <a:avLst/>
+          </a:prstGeom>
+          <a:noFill/>
+          <a:ln>
+            <a:solidFill>
+              <a:schemeClr val="accent3">
+                <a:lumMod val="75000"/>
+              </a:schemeClr>
+            </a:solidFill>
+          </a:ln>
+        </p:spPr>
+        <p:style>
+          <a:lnRef idx="2">
+            <a:schemeClr val="accent6"/>
+          </a:lnRef>
+          <a:fillRef idx="1">
+            <a:schemeClr val="lt1"/>
+          </a:fillRef>
+          <a:effectRef idx="0">
+            <a:schemeClr val="accent6"/>
+          </a:effectRef>
+          <a:fontRef idx="minor">
+            <a:schemeClr val="dk1"/>
+          </a:fontRef>
+        </p:style>
+        <p:txBody>
+          <a:bodyPr rtlCol="0" anchor="ctr"/>
+          <a:lstStyle/>
+          <a:p>
+            <a:pPr algn="ctr"/>
+            <a:r>
+              <a:rPr lang="en-US" altLang="zh-CN" sz="1600" dirty="0">
+                <a:solidFill>
+                  <a:schemeClr val="tx1"/>
+                </a:solidFill>
+              </a:rPr>
+              <a:t>program</a:t>
+            </a:r>
+          </a:p>
+        </p:txBody>
+      </p:sp>
+      <p:sp>
+        <p:nvSpPr>
+          <p:cNvPr id="92" name="TextBox 91">
+            <a:extLst>
+              <a:ext uri="{FF2B5EF4-FFF2-40B4-BE49-F238E27FC236}">
+                <a16:creationId xmlns:a16="http://schemas.microsoft.com/office/drawing/2014/main" id="{BEC08B4A-16BD-44A8-1C71-0742CDC05236}"/>
+              </a:ext>
+            </a:extLst>
+          </p:cNvPr>
+          <p:cNvSpPr txBox="1"/>
+          <p:nvPr/>
+        </p:nvSpPr>
+        <p:spPr>
+          <a:xfrm>
+            <a:off x="6191181" y="4683821"/>
+            <a:ext cx="1499442" cy="369332"/>
+          </a:xfrm>
+          <a:prstGeom prst="rect">
+            <a:avLst/>
+          </a:prstGeom>
+          <a:noFill/>
+        </p:spPr>
+        <p:txBody>
+          <a:bodyPr wrap="square">
+            <a:spAutoFit/>
+          </a:bodyPr>
+          <a:lstStyle/>
+          <a:p>
+            <a:pPr algn="ctr"/>
+            <a:r>
+              <a:rPr lang="en-US" altLang="zh-CN" sz="1800" dirty="0" err="1">
+                <a:solidFill>
+                  <a:schemeClr val="tx1"/>
+                </a:solidFill>
+              </a:rPr>
+              <a:t>cmd.prim.mi</a:t>
+            </a:r>
+            <a:endParaRPr lang="en-US" altLang="zh-CN" sz="1800" dirty="0">
+              <a:solidFill>
+                <a:schemeClr val="tx1"/>
+              </a:solidFill>
+            </a:endParaRPr>
+          </a:p>
+        </p:txBody>
+      </p:sp>
+      <p:sp>
+        <p:nvSpPr>
+          <p:cNvPr id="93" name="TextBox 92">
+            <a:extLst>
+              <a:ext uri="{FF2B5EF4-FFF2-40B4-BE49-F238E27FC236}">
+                <a16:creationId xmlns:a16="http://schemas.microsoft.com/office/drawing/2014/main" id="{D29A7FD6-9BB9-F253-5C9C-4D893CB0F145}"/>
+              </a:ext>
+            </a:extLst>
+          </p:cNvPr>
+          <p:cNvSpPr txBox="1"/>
+          <p:nvPr/>
+        </p:nvSpPr>
+        <p:spPr>
+          <a:xfrm>
+            <a:off x="363913" y="6008566"/>
+            <a:ext cx="1280716" cy="369332"/>
+          </a:xfrm>
+          <a:prstGeom prst="rect">
+            <a:avLst/>
+          </a:prstGeom>
+          <a:noFill/>
+        </p:spPr>
+        <p:txBody>
+          <a:bodyPr wrap="square">
+            <a:spAutoFit/>
+          </a:bodyPr>
+          <a:lstStyle/>
+          <a:p>
+            <a:pPr algn="ctr"/>
+            <a:r>
+              <a:rPr lang="en-US" altLang="zh-CN" sz="1800" dirty="0" err="1">
+                <a:solidFill>
+                  <a:schemeClr val="tx1"/>
+                </a:solidFill>
+              </a:rPr>
+              <a:t>renderable</a:t>
+            </a:r>
+            <a:endParaRPr lang="en-US" altLang="zh-CN" sz="1800" dirty="0">
+              <a:solidFill>
+                <a:schemeClr val="tx1"/>
+              </a:solidFill>
+            </a:endParaRPr>
+          </a:p>
+        </p:txBody>
+      </p:sp>
+      <p:cxnSp>
+        <p:nvCxnSpPr>
+          <p:cNvPr id="94" name="Straight Arrow Connector 93">
+            <a:extLst>
+              <a:ext uri="{FF2B5EF4-FFF2-40B4-BE49-F238E27FC236}">
+                <a16:creationId xmlns:a16="http://schemas.microsoft.com/office/drawing/2014/main" id="{46560ACC-A6ED-24F9-7FA9-AF825D37F1F2}"/>
+              </a:ext>
+            </a:extLst>
+          </p:cNvPr>
+          <p:cNvCxnSpPr>
+            <a:cxnSpLocks/>
+            <a:stCxn id="89" idx="3"/>
+            <a:endCxn id="91" idx="2"/>
+          </p:cNvCxnSpPr>
+          <p:nvPr/>
+        </p:nvCxnSpPr>
+        <p:spPr>
+          <a:xfrm>
+            <a:off x="7942997" y="4310326"/>
+            <a:ext cx="1201005" cy="36211"/>
+          </a:xfrm>
+          <a:prstGeom prst="straightConnector1">
+            <a:avLst/>
+          </a:prstGeom>
+          <a:ln w="19050">
+            <a:tailEnd type="triangle"/>
+          </a:ln>
+        </p:spPr>
+        <p:style>
+          <a:lnRef idx="1">
+            <a:schemeClr val="accent1"/>
+          </a:lnRef>
+          <a:fillRef idx="0">
+            <a:schemeClr val="accent1"/>
+          </a:fillRef>
+          <a:effectRef idx="0">
+            <a:schemeClr val="accent1"/>
+          </a:effectRef>
+          <a:fontRef idx="minor">
+            <a:schemeClr val="tx1"/>
+          </a:fontRef>
+        </p:style>
+      </p:cxnSp>
+      <p:cxnSp>
+        <p:nvCxnSpPr>
+          <p:cNvPr id="98" name="Straight Arrow Connector 97">
+            <a:extLst>
+              <a:ext uri="{FF2B5EF4-FFF2-40B4-BE49-F238E27FC236}">
+                <a16:creationId xmlns:a16="http://schemas.microsoft.com/office/drawing/2014/main" id="{1DB0E86E-5150-805A-DFF0-FC587BC95560}"/>
+              </a:ext>
+            </a:extLst>
+          </p:cNvPr>
+          <p:cNvCxnSpPr>
+            <a:cxnSpLocks/>
+            <a:stCxn id="92" idx="3"/>
+            <a:endCxn id="91" idx="3"/>
+          </p:cNvCxnSpPr>
+          <p:nvPr/>
+        </p:nvCxnSpPr>
+        <p:spPr>
+          <a:xfrm flipV="1">
+            <a:off x="7690623" y="4522697"/>
+            <a:ext cx="1653246" cy="345790"/>
+          </a:xfrm>
+          <a:prstGeom prst="straightConnector1">
+            <a:avLst/>
+          </a:prstGeom>
+          <a:ln w="19050">
+            <a:tailEnd type="triangle"/>
+          </a:ln>
+        </p:spPr>
+        <p:style>
+          <a:lnRef idx="1">
+            <a:schemeClr val="accent1"/>
+          </a:lnRef>
+          <a:fillRef idx="0">
+            <a:schemeClr val="accent1"/>
+          </a:fillRef>
+          <a:effectRef idx="0">
+            <a:schemeClr val="accent1"/>
+          </a:effectRef>
+          <a:fontRef idx="minor">
+            <a:schemeClr val="tx1"/>
+          </a:fontRef>
+        </p:style>
+      </p:cxnSp>
+      <p:cxnSp>
+        <p:nvCxnSpPr>
+          <p:cNvPr id="103" name="Straight Arrow Connector 102">
+            <a:extLst>
+              <a:ext uri="{FF2B5EF4-FFF2-40B4-BE49-F238E27FC236}">
+                <a16:creationId xmlns:a16="http://schemas.microsoft.com/office/drawing/2014/main" id="{84AB7F81-AB52-7862-74F3-2713265CCC0B}"/>
+              </a:ext>
+            </a:extLst>
+          </p:cNvPr>
+          <p:cNvCxnSpPr>
+            <a:cxnSpLocks/>
+            <a:stCxn id="93" idx="3"/>
+            <a:endCxn id="92" idx="1"/>
+          </p:cNvCxnSpPr>
+          <p:nvPr/>
+        </p:nvCxnSpPr>
+        <p:spPr>
+          <a:xfrm flipV="1">
+            <a:off x="1644629" y="4868487"/>
+            <a:ext cx="4546552" cy="1324745"/>
+          </a:xfrm>
+          <a:prstGeom prst="straightConnector1">
+            <a:avLst/>
+          </a:prstGeom>
+          <a:ln w="19050">
+            <a:tailEnd type="triangle"/>
+          </a:ln>
+        </p:spPr>
+        <p:style>
+          <a:lnRef idx="1">
+            <a:schemeClr val="accent1"/>
+          </a:lnRef>
+          <a:fillRef idx="0">
+            <a:schemeClr val="accent1"/>
+          </a:fillRef>
+          <a:effectRef idx="0">
+            <a:schemeClr val="accent1"/>
+          </a:effectRef>
+          <a:fontRef idx="minor">
+            <a:schemeClr val="tx1"/>
+          </a:fontRef>
+        </p:style>
+      </p:cxnSp>
+      <p:sp>
+        <p:nvSpPr>
+          <p:cNvPr id="108" name="TextBox 107">
+            <a:extLst>
+              <a:ext uri="{FF2B5EF4-FFF2-40B4-BE49-F238E27FC236}">
+                <a16:creationId xmlns:a16="http://schemas.microsoft.com/office/drawing/2014/main" id="{0A0A53B4-3226-6EBD-CD02-626FA484B3A7}"/>
+              </a:ext>
+            </a:extLst>
+          </p:cNvPr>
+          <p:cNvSpPr txBox="1"/>
+          <p:nvPr/>
+        </p:nvSpPr>
+        <p:spPr>
+          <a:xfrm>
+            <a:off x="6226627" y="5178526"/>
+            <a:ext cx="1779243" cy="369332"/>
+          </a:xfrm>
+          <a:prstGeom prst="rect">
+            <a:avLst/>
+          </a:prstGeom>
+          <a:noFill/>
+        </p:spPr>
+        <p:txBody>
+          <a:bodyPr wrap="square">
+            <a:spAutoFit/>
+          </a:bodyPr>
+          <a:lstStyle/>
+          <a:p>
+            <a:pPr algn="ctr"/>
+            <a:r>
+              <a:rPr lang="en-US" altLang="zh-CN" sz="1800" dirty="0" err="1">
+                <a:solidFill>
+                  <a:schemeClr val="tx1"/>
+                </a:solidFill>
+              </a:rPr>
+              <a:t>cmd.prim.buffer</a:t>
+            </a:r>
+            <a:endParaRPr lang="en-US" altLang="zh-CN" sz="1800" dirty="0">
+              <a:solidFill>
+                <a:schemeClr val="tx1"/>
+              </a:solidFill>
+            </a:endParaRPr>
+          </a:p>
+        </p:txBody>
+      </p:sp>
+      <p:sp>
+        <p:nvSpPr>
+          <p:cNvPr id="109" name="TextBox 108">
+            <a:extLst>
+              <a:ext uri="{FF2B5EF4-FFF2-40B4-BE49-F238E27FC236}">
+                <a16:creationId xmlns:a16="http://schemas.microsoft.com/office/drawing/2014/main" id="{96A85ABA-58AB-3589-AB83-C9668C03F11D}"/>
+              </a:ext>
+            </a:extLst>
+          </p:cNvPr>
+          <p:cNvSpPr txBox="1"/>
+          <p:nvPr/>
+        </p:nvSpPr>
+        <p:spPr>
+          <a:xfrm>
+            <a:off x="6218344" y="5659776"/>
+            <a:ext cx="1745917" cy="369332"/>
+          </a:xfrm>
+          <a:prstGeom prst="rect">
+            <a:avLst/>
+          </a:prstGeom>
+          <a:noFill/>
+        </p:spPr>
+        <p:txBody>
+          <a:bodyPr wrap="square">
+            <a:spAutoFit/>
+          </a:bodyPr>
+          <a:lstStyle/>
+          <a:p>
+            <a:pPr algn="ctr"/>
+            <a:r>
+              <a:rPr lang="en-US" altLang="zh-CN" dirty="0" err="1"/>
+              <a:t>r</a:t>
+            </a:r>
+            <a:r>
+              <a:rPr lang="en-US" altLang="zh-CN" sz="1800" dirty="0" err="1">
+                <a:solidFill>
+                  <a:schemeClr val="tx1"/>
+                </a:solidFill>
+              </a:rPr>
+              <a:t>enderpass.ubo</a:t>
+            </a:r>
+            <a:endParaRPr lang="en-US" altLang="zh-CN" sz="1800" dirty="0">
+              <a:solidFill>
+                <a:schemeClr val="tx1"/>
+              </a:solidFill>
+            </a:endParaRPr>
+          </a:p>
+        </p:txBody>
+      </p:sp>
+      <p:cxnSp>
+        <p:nvCxnSpPr>
+          <p:cNvPr id="110" name="Straight Arrow Connector 109">
+            <a:extLst>
+              <a:ext uri="{FF2B5EF4-FFF2-40B4-BE49-F238E27FC236}">
+                <a16:creationId xmlns:a16="http://schemas.microsoft.com/office/drawing/2014/main" id="{E3C47F11-F761-0446-7F0E-E0F36157DF6A}"/>
+              </a:ext>
+            </a:extLst>
+          </p:cNvPr>
+          <p:cNvCxnSpPr>
+            <a:cxnSpLocks/>
+            <a:stCxn id="93" idx="3"/>
+            <a:endCxn id="108" idx="1"/>
+          </p:cNvCxnSpPr>
+          <p:nvPr/>
+        </p:nvCxnSpPr>
+        <p:spPr>
+          <a:xfrm flipV="1">
+            <a:off x="1644629" y="5363192"/>
+            <a:ext cx="4581998" cy="830040"/>
+          </a:xfrm>
+          <a:prstGeom prst="straightConnector1">
+            <a:avLst/>
+          </a:prstGeom>
+          <a:ln w="19050">
+            <a:tailEnd type="triangle"/>
+          </a:ln>
+        </p:spPr>
+        <p:style>
+          <a:lnRef idx="1">
+            <a:schemeClr val="accent1"/>
+          </a:lnRef>
+          <a:fillRef idx="0">
+            <a:schemeClr val="accent1"/>
+          </a:fillRef>
+          <a:effectRef idx="0">
+            <a:schemeClr val="accent1"/>
+          </a:effectRef>
+          <a:fontRef idx="minor">
+            <a:schemeClr val="tx1"/>
+          </a:fontRef>
+        </p:style>
+      </p:cxnSp>
+      <p:cxnSp>
+        <p:nvCxnSpPr>
+          <p:cNvPr id="113" name="Straight Arrow Connector 112">
+            <a:extLst>
+              <a:ext uri="{FF2B5EF4-FFF2-40B4-BE49-F238E27FC236}">
+                <a16:creationId xmlns:a16="http://schemas.microsoft.com/office/drawing/2014/main" id="{5FEC059C-ADE5-E437-F83A-78AB1C05FD19}"/>
+              </a:ext>
+            </a:extLst>
+          </p:cNvPr>
+          <p:cNvCxnSpPr>
+            <a:cxnSpLocks/>
+            <a:stCxn id="93" idx="3"/>
+            <a:endCxn id="109" idx="1"/>
+          </p:cNvCxnSpPr>
+          <p:nvPr/>
+        </p:nvCxnSpPr>
+        <p:spPr>
+          <a:xfrm flipV="1">
+            <a:off x="1644629" y="5844442"/>
+            <a:ext cx="4573715" cy="348790"/>
+          </a:xfrm>
+          <a:prstGeom prst="straightConnector1">
+            <a:avLst/>
+          </a:prstGeom>
+          <a:ln w="19050">
+            <a:tailEnd type="triangle"/>
+          </a:ln>
+        </p:spPr>
+        <p:style>
+          <a:lnRef idx="1">
+            <a:schemeClr val="accent1"/>
+          </a:lnRef>
+          <a:fillRef idx="0">
+            <a:schemeClr val="accent1"/>
+          </a:fillRef>
+          <a:effectRef idx="0">
+            <a:schemeClr val="accent1"/>
+          </a:effectRef>
+          <a:fontRef idx="minor">
+            <a:schemeClr val="tx1"/>
+          </a:fontRef>
+        </p:style>
+      </p:cxnSp>
+      <p:sp>
+        <p:nvSpPr>
+          <p:cNvPr id="116" name="Oval 115">
+            <a:extLst>
+              <a:ext uri="{FF2B5EF4-FFF2-40B4-BE49-F238E27FC236}">
+                <a16:creationId xmlns:a16="http://schemas.microsoft.com/office/drawing/2014/main" id="{8B3A6469-06AC-8CA5-F2FF-5F423B5AE267}"/>
+              </a:ext>
+            </a:extLst>
+          </p:cNvPr>
+          <p:cNvSpPr/>
+          <p:nvPr/>
+        </p:nvSpPr>
+        <p:spPr>
+          <a:xfrm>
+            <a:off x="9144002" y="5108256"/>
+            <a:ext cx="1364775" cy="315186"/>
+          </a:xfrm>
+          <a:prstGeom prst="ellipse">
+            <a:avLst/>
+          </a:prstGeom>
+          <a:noFill/>
+          <a:ln>
+            <a:solidFill>
+              <a:schemeClr val="accent3">
+                <a:lumMod val="75000"/>
+              </a:schemeClr>
+            </a:solidFill>
+          </a:ln>
+        </p:spPr>
+        <p:style>
+          <a:lnRef idx="2">
+            <a:schemeClr val="accent6"/>
+          </a:lnRef>
+          <a:fillRef idx="1">
+            <a:schemeClr val="lt1"/>
+          </a:fillRef>
+          <a:effectRef idx="0">
+            <a:schemeClr val="accent6"/>
+          </a:effectRef>
+          <a:fontRef idx="minor">
+            <a:schemeClr val="dk1"/>
+          </a:fontRef>
+        </p:style>
+        <p:txBody>
+          <a:bodyPr rtlCol="0" anchor="ctr"/>
+          <a:lstStyle/>
+          <a:p>
+            <a:pPr algn="ctr"/>
+            <a:r>
+              <a:rPr lang="en-US" altLang="zh-CN" sz="1600" dirty="0" err="1">
+                <a:solidFill>
+                  <a:schemeClr val="tx1"/>
+                </a:solidFill>
+              </a:rPr>
+              <a:t>vao</a:t>
+            </a:r>
+            <a:endParaRPr lang="en-US" altLang="zh-CN" sz="1600" dirty="0">
+              <a:solidFill>
+                <a:schemeClr val="tx1"/>
+              </a:solidFill>
+            </a:endParaRPr>
+          </a:p>
+        </p:txBody>
+      </p:sp>
+      <p:sp>
+        <p:nvSpPr>
+          <p:cNvPr id="117" name="Oval 116">
+            <a:extLst>
+              <a:ext uri="{FF2B5EF4-FFF2-40B4-BE49-F238E27FC236}">
+                <a16:creationId xmlns:a16="http://schemas.microsoft.com/office/drawing/2014/main" id="{BDEAB877-B0FF-2FA1-8961-0562DF2586CC}"/>
+              </a:ext>
+            </a:extLst>
+          </p:cNvPr>
+          <p:cNvSpPr/>
+          <p:nvPr/>
+        </p:nvSpPr>
+        <p:spPr>
+          <a:xfrm>
+            <a:off x="8762859" y="5636138"/>
+            <a:ext cx="1745918" cy="369332"/>
+          </a:xfrm>
+          <a:prstGeom prst="ellipse">
+            <a:avLst/>
+          </a:prstGeom>
+          <a:noFill/>
+          <a:ln>
+            <a:solidFill>
+              <a:schemeClr val="accent3">
+                <a:lumMod val="75000"/>
+              </a:schemeClr>
+            </a:solidFill>
+          </a:ln>
+        </p:spPr>
+        <p:style>
+          <a:lnRef idx="2">
+            <a:schemeClr val="accent6"/>
+          </a:lnRef>
+          <a:fillRef idx="1">
+            <a:schemeClr val="lt1"/>
+          </a:fillRef>
+          <a:effectRef idx="0">
+            <a:schemeClr val="accent6"/>
+          </a:effectRef>
+          <a:fontRef idx="minor">
+            <a:schemeClr val="dk1"/>
+          </a:fontRef>
+        </p:style>
+        <p:txBody>
+          <a:bodyPr rtlCol="0" anchor="ctr"/>
+          <a:lstStyle/>
+          <a:p>
+            <a:pPr algn="ctr"/>
+            <a:r>
+              <a:rPr lang="en-US" altLang="zh-CN" sz="1600" dirty="0" err="1">
+                <a:solidFill>
+                  <a:schemeClr val="tx1"/>
+                </a:solidFill>
+              </a:rPr>
+              <a:t>ubo</a:t>
+            </a:r>
+            <a:r>
+              <a:rPr lang="en-US" altLang="zh-CN" sz="1600" dirty="0">
+                <a:solidFill>
+                  <a:schemeClr val="tx1"/>
+                </a:solidFill>
+              </a:rPr>
+              <a:t>/texture</a:t>
+            </a:r>
+          </a:p>
+        </p:txBody>
+      </p:sp>
+      <p:cxnSp>
+        <p:nvCxnSpPr>
+          <p:cNvPr id="118" name="Straight Arrow Connector 117">
+            <a:extLst>
+              <a:ext uri="{FF2B5EF4-FFF2-40B4-BE49-F238E27FC236}">
+                <a16:creationId xmlns:a16="http://schemas.microsoft.com/office/drawing/2014/main" id="{818C5A7D-1007-063B-7FC4-4DBF75A57364}"/>
+              </a:ext>
+            </a:extLst>
+          </p:cNvPr>
+          <p:cNvCxnSpPr>
+            <a:cxnSpLocks/>
+            <a:stCxn id="108" idx="3"/>
+            <a:endCxn id="116" idx="2"/>
+          </p:cNvCxnSpPr>
+          <p:nvPr/>
+        </p:nvCxnSpPr>
+        <p:spPr>
+          <a:xfrm flipV="1">
+            <a:off x="8005870" y="5265849"/>
+            <a:ext cx="1138132" cy="97343"/>
+          </a:xfrm>
+          <a:prstGeom prst="straightConnector1">
+            <a:avLst/>
+          </a:prstGeom>
+          <a:ln w="19050">
+            <a:tailEnd type="triangle"/>
+          </a:ln>
+        </p:spPr>
+        <p:style>
+          <a:lnRef idx="1">
+            <a:schemeClr val="accent1"/>
+          </a:lnRef>
+          <a:fillRef idx="0">
+            <a:schemeClr val="accent1"/>
+          </a:fillRef>
+          <a:effectRef idx="0">
+            <a:schemeClr val="accent1"/>
+          </a:effectRef>
+          <a:fontRef idx="minor">
+            <a:schemeClr val="tx1"/>
+          </a:fontRef>
+        </p:style>
+      </p:cxnSp>
+      <p:cxnSp>
+        <p:nvCxnSpPr>
+          <p:cNvPr id="121" name="Straight Arrow Connector 120">
+            <a:extLst>
+              <a:ext uri="{FF2B5EF4-FFF2-40B4-BE49-F238E27FC236}">
+                <a16:creationId xmlns:a16="http://schemas.microsoft.com/office/drawing/2014/main" id="{11BD378B-2EFA-03A6-295E-221768594EE8}"/>
+              </a:ext>
+            </a:extLst>
+          </p:cNvPr>
+          <p:cNvCxnSpPr>
+            <a:cxnSpLocks/>
+            <a:stCxn id="109" idx="3"/>
+            <a:endCxn id="117" idx="2"/>
+          </p:cNvCxnSpPr>
+          <p:nvPr/>
+        </p:nvCxnSpPr>
+        <p:spPr>
+          <a:xfrm flipV="1">
+            <a:off x="7964261" y="5820804"/>
+            <a:ext cx="798598" cy="23638"/>
+          </a:xfrm>
+          <a:prstGeom prst="straightConnector1">
+            <a:avLst/>
+          </a:prstGeom>
+          <a:ln w="19050">
+            <a:tailEnd type="triangle"/>
+          </a:ln>
+        </p:spPr>
+        <p:style>
+          <a:lnRef idx="1">
+            <a:schemeClr val="accent1"/>
+          </a:lnRef>
+          <a:fillRef idx="0">
+            <a:schemeClr val="accent1"/>
+          </a:fillRef>
+          <a:effectRef idx="0">
+            <a:schemeClr val="accent1"/>
+          </a:effectRef>
+          <a:fontRef idx="minor">
+            <a:schemeClr val="tx1"/>
+          </a:fontRef>
+        </p:style>
+      </p:cxnSp>
+      <p:sp>
+        <p:nvSpPr>
+          <p:cNvPr id="150" name="Right Brace 149">
+            <a:extLst>
+              <a:ext uri="{FF2B5EF4-FFF2-40B4-BE49-F238E27FC236}">
+                <a16:creationId xmlns:a16="http://schemas.microsoft.com/office/drawing/2014/main" id="{3735A05D-F5CB-B91C-B63B-031F4A8CB995}"/>
+              </a:ext>
+            </a:extLst>
+          </p:cNvPr>
+          <p:cNvSpPr/>
+          <p:nvPr/>
+        </p:nvSpPr>
+        <p:spPr>
+          <a:xfrm>
+            <a:off x="10597365" y="3255511"/>
+            <a:ext cx="454321" cy="2880824"/>
+          </a:xfrm>
+          <a:prstGeom prst="rightBrace">
+            <a:avLst/>
+          </a:prstGeom>
+          <a:ln w="38100"/>
+        </p:spPr>
+        <p:style>
+          <a:lnRef idx="1">
+            <a:schemeClr val="accent1"/>
+          </a:lnRef>
+          <a:fillRef idx="0">
+            <a:schemeClr val="accent1"/>
+          </a:fillRef>
+          <a:effectRef idx="0">
+            <a:schemeClr val="accent1"/>
+          </a:effectRef>
+          <a:fontRef idx="minor">
+            <a:schemeClr val="tx1"/>
+          </a:fontRef>
+        </p:style>
+        <p:txBody>
+          <a:bodyPr rtlCol="0" anchor="ctr"/>
+          <a:lstStyle/>
+          <a:p>
+            <a:pPr algn="ctr"/>
+            <a:endParaRPr lang="zh-CN" altLang="en-US"/>
+          </a:p>
+        </p:txBody>
+      </p:sp>
+      <p:sp>
+        <p:nvSpPr>
+          <p:cNvPr id="151" name="TextBox 150">
+            <a:extLst>
+              <a:ext uri="{FF2B5EF4-FFF2-40B4-BE49-F238E27FC236}">
+                <a16:creationId xmlns:a16="http://schemas.microsoft.com/office/drawing/2014/main" id="{899AC76D-1623-2848-474C-19341FBF4D22}"/>
+              </a:ext>
+            </a:extLst>
+          </p:cNvPr>
+          <p:cNvSpPr txBox="1"/>
+          <p:nvPr/>
+        </p:nvSpPr>
+        <p:spPr>
+          <a:xfrm>
+            <a:off x="11027379" y="4499155"/>
+            <a:ext cx="800049" cy="369332"/>
+          </a:xfrm>
+          <a:prstGeom prst="rect">
+            <a:avLst/>
+          </a:prstGeom>
+          <a:noFill/>
+        </p:spPr>
+        <p:txBody>
+          <a:bodyPr wrap="square">
+            <a:spAutoFit/>
+          </a:bodyPr>
+          <a:lstStyle/>
+          <a:p>
+            <a:pPr algn="ctr"/>
+            <a:r>
+              <a:rPr lang="en-US" altLang="zh-CN" sz="1800" dirty="0">
+                <a:solidFill>
+                  <a:schemeClr val="tx1"/>
+                </a:solidFill>
+              </a:rPr>
+              <a:t>draw</a:t>
+            </a:r>
+          </a:p>
+        </p:txBody>
+      </p:sp>
+    </p:spTree>
+    <p:extLst>
+      <p:ext uri="{BB962C8B-B14F-4D97-AF65-F5344CB8AC3E}">
+        <p14:creationId xmlns:p14="http://schemas.microsoft.com/office/powerpoint/2010/main" val="154808929"/>
+      </p:ext>
+    </p:extLst>
+  </p:cSld>
+  <p:clrMapOvr>
+    <a:masterClrMapping/>
+  </p:clrMapOvr>
+</p:sld>
+</file>
+
+<file path=ppt/slides/slide35.xml><?xml version="1.0" encoding="utf-8"?>
+<p:sld xmlns:a="http://schemas.openxmlformats.org/drawingml/2006/main" xmlns:r="http://schemas.openxmlformats.org/officeDocument/2006/relationships" xmlns:p="http://schemas.openxmlformats.org/presentationml/2006/main">
+  <p:cSld>
+    <p:spTree>
+      <p:nvGrpSpPr>
+        <p:cNvPr id="1" name=""/>
+        <p:cNvGrpSpPr/>
+        <p:nvPr/>
+      </p:nvGrpSpPr>
+      <p:grpSpPr>
+        <a:xfrm>
+          <a:off x="0" y="0"/>
+          <a:ext cx="0" cy="0"/>
+          <a:chOff x="0" y="0"/>
+          <a:chExt cx="0" cy="0"/>
+        </a:xfrm>
+      </p:grpSpPr>
+      <p:sp>
+        <p:nvSpPr>
+          <p:cNvPr id="2" name="Title 1">
+            <a:extLst>
+              <a:ext uri="{FF2B5EF4-FFF2-40B4-BE49-F238E27FC236}">
                 <a16:creationId xmlns:a16="http://schemas.microsoft.com/office/drawing/2014/main" id="{C29F9A4C-6D0F-CA03-0340-39EC45C72CC1}"/>
               </a:ext>
             </a:extLst>
@@ -29381,7 +31280,7 @@
 </p:sld>
 </file>
 
-<file path=ppt/slides/slide35.xml><?xml version="1.0" encoding="utf-8"?>
+<file path=ppt/slides/slide36.xml><?xml version="1.0" encoding="utf-8"?>
 <p:sld xmlns:a="http://schemas.openxmlformats.org/drawingml/2006/main" xmlns:r="http://schemas.openxmlformats.org/officeDocument/2006/relationships" xmlns:p="http://schemas.openxmlformats.org/presentationml/2006/main">
   <p:cSld>
     <p:spTree>
